--- a/Lessons/I_textMining_documentClassification/B_DTM_for_modeling.pptx
+++ b/Lessons/I_textMining_documentClassification/B_DTM_for_modeling.pptx
@@ -5858,7 +5858,7 @@
           <a:p>
             <a:fld id="{B0C0A60C-850A-4EA4-9C14-A8FE98B94505}" type="datetimeFigureOut">
               <a:rPr lang="en-US" smtClean="0"/>
-              <a:t>4/5/21</a:t>
+              <a:t>11/8/21</a:t>
             </a:fld>
             <a:endParaRPr lang="en-US"/>
           </a:p>
@@ -7522,7 +7522,7 @@
           <a:p>
             <a:fld id="{5738B90E-0779-4C36-915C-6F05FCD89456}" type="datetime1">
               <a:rPr lang="en-US" smtClean="0"/>
-              <a:t>4/5/21</a:t>
+              <a:t>11/8/21</a:t>
             </a:fld>
             <a:endParaRPr lang="en-US"/>
           </a:p>
@@ -7719,7 +7719,7 @@
           <a:p>
             <a:fld id="{7B9EA29D-D431-42FE-B7B6-AAE4454C77D3}" type="datetime1">
               <a:rPr lang="en-US" smtClean="0"/>
-              <a:t>4/5/21</a:t>
+              <a:t>11/8/21</a:t>
             </a:fld>
             <a:endParaRPr lang="en-US"/>
           </a:p>
@@ -8074,7 +8074,7 @@
           <a:p>
             <a:fld id="{690D8A1E-EA8F-46C1-B891-AE0C00D9C314}" type="datetime1">
               <a:rPr lang="en-US" smtClean="0"/>
-              <a:t>4/5/21</a:t>
+              <a:t>11/8/21</a:t>
             </a:fld>
             <a:endParaRPr lang="en-US"/>
           </a:p>
@@ -8382,7 +8382,7 @@
           <a:p>
             <a:fld id="{D753EFC8-4232-4598-94F6-94C0EBAFC469}" type="datetime1">
               <a:rPr lang="en-US" smtClean="0"/>
-              <a:t>4/5/21</a:t>
+              <a:t>11/8/21</a:t>
             </a:fld>
             <a:endParaRPr lang="en-US"/>
           </a:p>
@@ -8711,7 +8711,7 @@
           <a:p>
             <a:fld id="{F3161074-1C18-4AE7-957D-F18524378C85}" type="datetime1">
               <a:rPr lang="en-US" smtClean="0"/>
-              <a:t>4/5/21</a:t>
+              <a:t>11/8/21</a:t>
             </a:fld>
             <a:endParaRPr lang="en-US"/>
           </a:p>
@@ -8964,7 +8964,7 @@
           <a:p>
             <a:fld id="{69BE256C-8D9A-4404-B47D-41A1AE514425}" type="datetime1">
               <a:rPr lang="en-US" smtClean="0"/>
-              <a:t>4/5/21</a:t>
+              <a:t>11/8/21</a:t>
             </a:fld>
             <a:endParaRPr lang="en-US"/>
           </a:p>
@@ -9412,7 +9412,7 @@
           <a:p>
             <a:fld id="{66CB2154-9035-4012-8189-BAAB61C5A5EE}" type="datetime1">
               <a:rPr lang="en-US" smtClean="0"/>
-              <a:t>4/5/21</a:t>
+              <a:t>11/8/21</a:t>
             </a:fld>
             <a:endParaRPr lang="en-US"/>
           </a:p>
@@ -9600,7 +9600,7 @@
           <a:p>
             <a:fld id="{6700A58B-DD98-43D0-B791-721480A02982}" type="datetime1">
               <a:rPr lang="en-US" smtClean="0"/>
-              <a:t>4/5/21</a:t>
+              <a:t>11/8/21</a:t>
             </a:fld>
             <a:endParaRPr lang="en-US"/>
           </a:p>
@@ -9806,7 +9806,7 @@
           <a:p>
             <a:fld id="{7DB6E382-4F61-4E24-BE1A-377EC83D0E3A}" type="datetime1">
               <a:rPr lang="en-US" smtClean="0"/>
-              <a:t>4/5/21</a:t>
+              <a:t>11/8/21</a:t>
             </a:fld>
             <a:endParaRPr lang="en-US"/>
           </a:p>
@@ -10212,7 +10212,7 @@
           <a:p>
             <a:fld id="{4142EED6-FC16-45B9-B8C4-2BC5DBA88325}" type="datetime1">
               <a:rPr lang="en-US" smtClean="0"/>
-              <a:t>4/5/21</a:t>
+              <a:t>11/8/21</a:t>
             </a:fld>
             <a:endParaRPr lang="en-US"/>
           </a:p>
@@ -10544,7 +10544,7 @@
           <a:p>
             <a:fld id="{DF59512B-4F1D-43D7-8819-2F53FEF69650}" type="datetime1">
               <a:rPr lang="en-US" smtClean="0"/>
-              <a:t>4/5/21</a:t>
+              <a:t>11/8/21</a:t>
             </a:fld>
             <a:endParaRPr lang="en-US"/>
           </a:p>
@@ -10834,7 +10834,7 @@
           <a:p>
             <a:fld id="{08437B94-E2BF-44DC-ADC5-B05FC9934E9D}" type="datetime1">
               <a:rPr lang="en-US" smtClean="0"/>
-              <a:t>4/5/21</a:t>
+              <a:t>11/8/21</a:t>
             </a:fld>
             <a:endParaRPr lang="en-US"/>
           </a:p>
@@ -11323,7 +11323,7 @@
             <a:fld id="{5738B90E-0779-4C36-915C-6F05FCD89456}" type="datetime1">
               <a:rPr lang="en-US" smtClean="0"/>
               <a:pPr/>
-              <a:t>4/5/21</a:t>
+              <a:t>11/8/21</a:t>
             </a:fld>
             <a:endParaRPr lang="en-US"/>
           </a:p>
@@ -11429,7 +11429,7 @@
           <a:p>
             <a:fld id="{6700A58B-DD98-43D0-B791-721480A02982}" type="datetime1">
               <a:rPr lang="en-US" smtClean="0"/>
-              <a:t>4/5/21</a:t>
+              <a:t>11/8/21</a:t>
             </a:fld>
             <a:endParaRPr lang="en-US"/>
           </a:p>
@@ -12110,7 +12110,7 @@
           <a:p>
             <a:fld id="{6700A58B-DD98-43D0-B791-721480A02982}" type="datetime1">
               <a:rPr lang="en-US" smtClean="0"/>
-              <a:t>4/5/21</a:t>
+              <a:t>11/8/21</a:t>
             </a:fld>
             <a:endParaRPr lang="en-US"/>
           </a:p>
@@ -13158,7 +13158,7 @@
           <a:p>
             <a:fld id="{6700A58B-DD98-43D0-B791-721480A02982}" type="datetime1">
               <a:rPr lang="en-US" smtClean="0"/>
-              <a:t>4/5/21</a:t>
+              <a:t>11/8/21</a:t>
             </a:fld>
             <a:endParaRPr lang="en-US"/>
           </a:p>
@@ -14214,7 +14214,7 @@
           <a:p>
             <a:fld id="{6700A58B-DD98-43D0-B791-721480A02982}" type="datetime1">
               <a:rPr lang="en-US" smtClean="0"/>
-              <a:t>4/5/21</a:t>
+              <a:t>11/8/21</a:t>
             </a:fld>
             <a:endParaRPr lang="en-US"/>
           </a:p>
@@ -15078,7 +15078,7 @@
           <a:p>
             <a:fld id="{6700A58B-DD98-43D0-B791-721480A02982}" type="datetime1">
               <a:rPr lang="en-US" smtClean="0"/>
-              <a:t>4/5/21</a:t>
+              <a:t>11/8/21</a:t>
             </a:fld>
             <a:endParaRPr lang="en-US"/>
           </a:p>
@@ -16281,7 +16281,7 @@
           <a:p>
             <a:fld id="{6700A58B-DD98-43D0-B791-721480A02982}" type="datetime1">
               <a:rPr lang="en-US" smtClean="0"/>
-              <a:t>4/5/21</a:t>
+              <a:t>11/8/21</a:t>
             </a:fld>
             <a:endParaRPr lang="en-US"/>
           </a:p>
@@ -17378,7 +17378,7 @@
           <a:p>
             <a:fld id="{6700A58B-DD98-43D0-B791-721480A02982}" type="datetime1">
               <a:rPr lang="en-US" smtClean="0"/>
-              <a:t>4/5/21</a:t>
+              <a:t>11/8/21</a:t>
             </a:fld>
             <a:endParaRPr lang="en-US"/>
           </a:p>
@@ -18660,7 +18660,7 @@
           <a:p>
             <a:fld id="{6700A58B-DD98-43D0-B791-721480A02982}" type="datetime1">
               <a:rPr lang="en-US" smtClean="0"/>
-              <a:t>4/5/21</a:t>
+              <a:t>11/8/21</a:t>
             </a:fld>
             <a:endParaRPr lang="en-US"/>
           </a:p>
@@ -18689,7 +18689,7 @@
           <a:p>
             <a:r>
               <a:rPr lang="en-US" dirty="0"/>
-              <a:t>Now suppose your model expected words</a:t>
+              <a:t>Now compare your model expected words</a:t>
             </a:r>
           </a:p>
         </p:txBody>
@@ -19886,7 +19886,7 @@
           <a:p>
             <a:fld id="{6700A58B-DD98-43D0-B791-721480A02982}" type="datetime1">
               <a:rPr lang="en-US" smtClean="0"/>
-              <a:t>4/5/21</a:t>
+              <a:t>11/8/21</a:t>
             </a:fld>
             <a:endParaRPr lang="en-US"/>
           </a:p>
@@ -21177,8 +21177,8 @@
         </p:nvSpPr>
         <p:spPr>
           <a:xfrm>
-            <a:off x="5754624" y="3783915"/>
-            <a:ext cx="825867" cy="253916"/>
+            <a:off x="5511655" y="3794544"/>
+            <a:ext cx="1210588" cy="415498"/>
           </a:xfrm>
           <a:prstGeom prst="rect">
             <a:avLst/>
@@ -21191,9 +21191,17 @@
           </a:bodyPr>
           <a:lstStyle/>
           <a:p>
+            <a:pPr algn="ctr"/>
             <a:r>
               <a:rPr lang="en-US" sz="1050" dirty="0"/>
-              <a:t>New Words</a:t>
+              <a:t>Add missing words</a:t>
+            </a:r>
+          </a:p>
+          <a:p>
+            <a:pPr algn="ctr"/>
+            <a:r>
+              <a:rPr lang="en-US" sz="1050" dirty="0"/>
+              <a:t>From training</a:t>
             </a:r>
           </a:p>
         </p:txBody>
@@ -21337,7 +21345,7 @@
           <a:p>
             <a:fld id="{6700A58B-DD98-43D0-B791-721480A02982}" type="datetime1">
               <a:rPr lang="en-US" smtClean="0"/>
-              <a:t>4/5/21</a:t>
+              <a:t>11/8/21</a:t>
             </a:fld>
             <a:endParaRPr lang="en-US"/>
           </a:p>
@@ -21652,7 +21660,7 @@
           <a:p>
             <a:fld id="{6700A58B-DD98-43D0-B791-721480A02982}" type="datetime1">
               <a:rPr lang="en-US" smtClean="0"/>
-              <a:t>4/5/21</a:t>
+              <a:t>11/8/21</a:t>
             </a:fld>
             <a:endParaRPr lang="en-US"/>
           </a:p>
@@ -23562,7 +23570,7 @@
           <a:p>
             <a:fld id="{6700A58B-DD98-43D0-B791-721480A02982}" type="datetime1">
               <a:rPr lang="en-US" smtClean="0"/>
-              <a:t>4/5/21</a:t>
+              <a:t>11/8/21</a:t>
             </a:fld>
             <a:endParaRPr lang="en-US"/>
           </a:p>
@@ -23861,7 +23869,7 @@
           <a:p>
             <a:fld id="{6700A58B-DD98-43D0-B791-721480A02982}" type="datetime1">
               <a:rPr lang="en-US" smtClean="0"/>
-              <a:t>4/5/21</a:t>
+              <a:t>11/8/21</a:t>
             </a:fld>
             <a:endParaRPr lang="en-US"/>
           </a:p>
@@ -24800,7 +24808,7 @@
           <a:p>
             <a:fld id="{6700A58B-DD98-43D0-B791-721480A02982}" type="datetime1">
               <a:rPr lang="en-US" smtClean="0"/>
-              <a:t>4/5/21</a:t>
+              <a:t>11/8/21</a:t>
             </a:fld>
             <a:endParaRPr lang="en-US"/>
           </a:p>
@@ -25734,7 +25742,7 @@
           <a:p>
             <a:fld id="{6700A58B-DD98-43D0-B791-721480A02982}" type="datetime1">
               <a:rPr lang="en-US" smtClean="0"/>
-              <a:t>4/5/21</a:t>
+              <a:t>11/8/21</a:t>
             </a:fld>
             <a:endParaRPr lang="en-US"/>
           </a:p>
@@ -26661,7 +26669,7 @@
           <a:p>
             <a:fld id="{6700A58B-DD98-43D0-B791-721480A02982}" type="datetime1">
               <a:rPr lang="en-US" smtClean="0"/>
-              <a:t>4/5/21</a:t>
+              <a:t>11/8/21</a:t>
             </a:fld>
             <a:endParaRPr lang="en-US"/>
           </a:p>
@@ -27848,7 +27856,7 @@
           <a:p>
             <a:fld id="{6700A58B-DD98-43D0-B791-721480A02982}" type="datetime1">
               <a:rPr lang="en-US" smtClean="0"/>
-              <a:t>4/5/21</a:t>
+              <a:t>11/8/21</a:t>
             </a:fld>
             <a:endParaRPr lang="en-US"/>
           </a:p>
@@ -28138,7 +28146,7 @@
           <a:p>
             <a:fld id="{6700A58B-DD98-43D0-B791-721480A02982}" type="datetime1">
               <a:rPr lang="en-US" smtClean="0"/>
-              <a:t>4/5/21</a:t>
+              <a:t>11/8/21</a:t>
             </a:fld>
             <a:endParaRPr lang="en-US"/>
           </a:p>
@@ -28456,7 +28464,7 @@
           <a:p>
             <a:fld id="{6700A58B-DD98-43D0-B791-721480A02982}" type="datetime1">
               <a:rPr lang="en-US" smtClean="0"/>
-              <a:t>4/5/21</a:t>
+              <a:t>11/8/21</a:t>
             </a:fld>
             <a:endParaRPr lang="en-US"/>
           </a:p>
@@ -28821,7 +28829,7 @@
             <a:fld id="{D753EFC8-4232-4598-94F6-94C0EBAFC469}" type="datetime1">
               <a:rPr lang="en-US" smtClean="0"/>
               <a:pPr/>
-              <a:t>4/5/21</a:t>
+              <a:t>11/8/21</a:t>
             </a:fld>
             <a:endParaRPr lang="en-US"/>
           </a:p>
@@ -30386,7 +30394,7 @@
             <a:fld id="{9B19E99B-5349-415A-8E56-8E989211A366}" type="datetime1">
               <a:rPr lang="en-US" smtClean="0"/>
               <a:pPr/>
-              <a:t>4/5/21</a:t>
+              <a:t>11/8/21</a:t>
             </a:fld>
             <a:endParaRPr lang="en-US"/>
           </a:p>
@@ -31970,7 +31978,7 @@
             <a:fld id="{6700A58B-DD98-43D0-B791-721480A02982}" type="datetime1">
               <a:rPr lang="en-US" smtClean="0"/>
               <a:pPr/>
-              <a:t>4/5/21</a:t>
+              <a:t>11/8/21</a:t>
             </a:fld>
             <a:endParaRPr lang="en-US"/>
           </a:p>
@@ -32416,7 +32424,7 @@
             <a:fld id="{6700A58B-DD98-43D0-B791-721480A02982}" type="datetime1">
               <a:rPr lang="en-US" smtClean="0"/>
               <a:pPr/>
-              <a:t>4/5/21</a:t>
+              <a:t>11/8/21</a:t>
             </a:fld>
             <a:endParaRPr lang="en-US"/>
           </a:p>
@@ -32940,7 +32948,7 @@
             <a:fld id="{6700A58B-DD98-43D0-B791-721480A02982}" type="datetime1">
               <a:rPr lang="en-US" smtClean="0"/>
               <a:pPr/>
-              <a:t>4/5/21</a:t>
+              <a:t>11/8/21</a:t>
             </a:fld>
             <a:endParaRPr lang="en-US"/>
           </a:p>
@@ -34288,7 +34296,7 @@
             <a:fld id="{9B19E99B-5349-415A-8E56-8E989211A366}" type="datetime1">
               <a:rPr lang="en-US" smtClean="0"/>
               <a:pPr/>
-              <a:t>4/5/21</a:t>
+              <a:t>11/8/21</a:t>
             </a:fld>
             <a:endParaRPr lang="en-US"/>
           </a:p>
@@ -35353,7 +35361,7 @@
           <a:p>
             <a:fld id="{D753EFC8-4232-4598-94F6-94C0EBAFC469}" type="datetime1">
               <a:rPr lang="en-US" smtClean="0"/>
-              <a:t>4/5/21</a:t>
+              <a:t>11/8/21</a:t>
             </a:fld>
             <a:endParaRPr lang="en-US"/>
           </a:p>
